--- a/ppt/02-DesignPattern.pptx
+++ b/ppt/02-DesignPattern.pptx
@@ -549,7 +549,7 @@
         <p:nvSpPr>
           <p:cNvPr id="2052" name="Rectangle 4"/>
           <p:cNvSpPr>
-            <a:spLocks noChangeArrowheads="1" noTextEdit="1"/>
+            <a:spLocks noGrp="1" noRot="1" noChangeAspect="1" noChangeArrowheads="1" noTextEdit="1"/>
           </p:cNvSpPr>
           <p:nvPr>
             <p:ph type="sldImg" idx="2"/>
@@ -912,7 +912,7 @@
         <p:nvSpPr>
           <p:cNvPr id="6146" name="Rectangle 2"/>
           <p:cNvSpPr>
-            <a:spLocks noChangeAspect="1" noChangeArrowheads="1" noTextEdit="1"/>
+            <a:spLocks noGrp="1" noRot="1" noChangeAspect="1" noChangeArrowheads="1" noTextEdit="1"/>
           </p:cNvSpPr>
           <p:nvPr>
             <p:ph type="sldImg"/>
@@ -931,7 +931,7 @@
         <p:nvSpPr>
           <p:cNvPr id="6147" name="Rectangle 3"/>
           <p:cNvSpPr>
-            <a:spLocks noChangeArrowheads="1"/>
+            <a:spLocks noGrp="1" noChangeArrowheads="1"/>
           </p:cNvSpPr>
           <p:nvPr>
             <p:ph type="body" idx="1"/>
@@ -1130,7 +1130,7 @@
         <p:nvSpPr>
           <p:cNvPr id="27650" name="Rectangle 2"/>
           <p:cNvSpPr>
-            <a:spLocks noChangeAspect="1" noChangeArrowheads="1" noTextEdit="1"/>
+            <a:spLocks noGrp="1" noRot="1" noChangeAspect="1" noChangeArrowheads="1" noTextEdit="1"/>
           </p:cNvSpPr>
           <p:nvPr>
             <p:ph type="sldImg"/>
@@ -1149,7 +1149,7 @@
         <p:nvSpPr>
           <p:cNvPr id="27651" name="Rectangle 3"/>
           <p:cNvSpPr>
-            <a:spLocks noChangeArrowheads="1"/>
+            <a:spLocks noGrp="1" noChangeArrowheads="1"/>
           </p:cNvSpPr>
           <p:nvPr>
             <p:ph type="body" idx="1"/>
@@ -1250,7 +1250,7 @@
         <p:nvSpPr>
           <p:cNvPr id="29698" name="Rectangle 2"/>
           <p:cNvSpPr>
-            <a:spLocks noChangeArrowheads="1" noTextEdit="1"/>
+            <a:spLocks noGrp="1" noRot="1" noChangeAspect="1" noChangeArrowheads="1" noTextEdit="1"/>
           </p:cNvSpPr>
           <p:nvPr>
             <p:ph type="sldImg"/>
@@ -1271,7 +1271,7 @@
         <p:nvSpPr>
           <p:cNvPr id="29699" name="Rectangle 3"/>
           <p:cNvSpPr>
-            <a:spLocks noChangeArrowheads="1"/>
+            <a:spLocks noGrp="1" noChangeArrowheads="1"/>
           </p:cNvSpPr>
           <p:nvPr>
             <p:ph type="body" idx="1"/>
@@ -1517,7 +1517,7 @@
         <p:nvSpPr>
           <p:cNvPr id="31746" name="Rectangle 2"/>
           <p:cNvSpPr>
-            <a:spLocks noChangeArrowheads="1" noTextEdit="1"/>
+            <a:spLocks noGrp="1" noRot="1" noChangeAspect="1" noChangeArrowheads="1" noTextEdit="1"/>
           </p:cNvSpPr>
           <p:nvPr>
             <p:ph type="sldImg"/>
@@ -1538,7 +1538,7 @@
         <p:nvSpPr>
           <p:cNvPr id="31747" name="Rectangle 3"/>
           <p:cNvSpPr>
-            <a:spLocks noChangeArrowheads="1"/>
+            <a:spLocks noGrp="1" noChangeArrowheads="1"/>
           </p:cNvSpPr>
           <p:nvPr>
             <p:ph type="body" idx="1"/>
@@ -1784,7 +1784,7 @@
         <p:nvSpPr>
           <p:cNvPr id="35842" name="Rectangle 2"/>
           <p:cNvSpPr>
-            <a:spLocks noChangeArrowheads="1" noTextEdit="1"/>
+            <a:spLocks noGrp="1" noRot="1" noChangeAspect="1" noChangeArrowheads="1" noTextEdit="1"/>
           </p:cNvSpPr>
           <p:nvPr>
             <p:ph type="sldImg"/>
@@ -1805,7 +1805,7 @@
         <p:nvSpPr>
           <p:cNvPr id="35843" name="Rectangle 3"/>
           <p:cNvSpPr>
-            <a:spLocks noChangeArrowheads="1"/>
+            <a:spLocks noGrp="1" noChangeArrowheads="1"/>
           </p:cNvSpPr>
           <p:nvPr>
             <p:ph type="body" idx="1"/>
@@ -2621,7 +2621,7 @@
         <p:nvSpPr>
           <p:cNvPr id="8194" name="Rectangle 2"/>
           <p:cNvSpPr>
-            <a:spLocks noChangeAspect="1" noChangeArrowheads="1" noTextEdit="1"/>
+            <a:spLocks noGrp="1" noRot="1" noChangeAspect="1" noChangeArrowheads="1" noTextEdit="1"/>
           </p:cNvSpPr>
           <p:nvPr>
             <p:ph type="sldImg"/>
@@ -2640,7 +2640,7 @@
         <p:nvSpPr>
           <p:cNvPr id="8195" name="Rectangle 3"/>
           <p:cNvSpPr>
-            <a:spLocks noChangeArrowheads="1"/>
+            <a:spLocks noGrp="1" noChangeArrowheads="1"/>
           </p:cNvSpPr>
           <p:nvPr>
             <p:ph type="body" idx="1"/>
@@ -2741,7 +2741,7 @@
         <p:nvSpPr>
           <p:cNvPr id="10242" name="Rectangle 2"/>
           <p:cNvSpPr>
-            <a:spLocks noChangeAspect="1" noChangeArrowheads="1" noTextEdit="1"/>
+            <a:spLocks noGrp="1" noRot="1" noChangeAspect="1" noChangeArrowheads="1" noTextEdit="1"/>
           </p:cNvSpPr>
           <p:nvPr>
             <p:ph type="sldImg"/>
@@ -2760,7 +2760,7 @@
         <p:nvSpPr>
           <p:cNvPr id="10243" name="Rectangle 3"/>
           <p:cNvSpPr>
-            <a:spLocks noChangeArrowheads="1"/>
+            <a:spLocks noGrp="1" noChangeArrowheads="1"/>
           </p:cNvSpPr>
           <p:nvPr>
             <p:ph type="body" idx="1"/>
@@ -2861,7 +2861,7 @@
         <p:nvSpPr>
           <p:cNvPr id="12290" name="Rectangle 2"/>
           <p:cNvSpPr>
-            <a:spLocks noChangeAspect="1" noChangeArrowheads="1" noTextEdit="1"/>
+            <a:spLocks noGrp="1" noRot="1" noChangeAspect="1" noChangeArrowheads="1" noTextEdit="1"/>
           </p:cNvSpPr>
           <p:nvPr>
             <p:ph type="sldImg"/>
@@ -2880,7 +2880,7 @@
         <p:nvSpPr>
           <p:cNvPr id="12291" name="Rectangle 3"/>
           <p:cNvSpPr>
-            <a:spLocks noChangeArrowheads="1"/>
+            <a:spLocks noGrp="1" noChangeArrowheads="1"/>
           </p:cNvSpPr>
           <p:nvPr>
             <p:ph type="body" idx="1"/>
@@ -2981,7 +2981,7 @@
         <p:nvSpPr>
           <p:cNvPr id="14338" name="Rectangle 2"/>
           <p:cNvSpPr>
-            <a:spLocks noChangeAspect="1" noChangeArrowheads="1" noTextEdit="1"/>
+            <a:spLocks noGrp="1" noRot="1" noChangeAspect="1" noChangeArrowheads="1" noTextEdit="1"/>
           </p:cNvSpPr>
           <p:nvPr>
             <p:ph type="sldImg"/>
@@ -3000,7 +3000,7 @@
         <p:nvSpPr>
           <p:cNvPr id="14339" name="Rectangle 3"/>
           <p:cNvSpPr>
-            <a:spLocks noChangeArrowheads="1"/>
+            <a:spLocks noGrp="1" noChangeArrowheads="1"/>
           </p:cNvSpPr>
           <p:nvPr>
             <p:ph type="body" idx="1"/>
@@ -3101,7 +3101,7 @@
         <p:nvSpPr>
           <p:cNvPr id="16386" name="Rectangle 2"/>
           <p:cNvSpPr>
-            <a:spLocks noChangeAspect="1" noChangeArrowheads="1" noTextEdit="1"/>
+            <a:spLocks noGrp="1" noRot="1" noChangeAspect="1" noChangeArrowheads="1" noTextEdit="1"/>
           </p:cNvSpPr>
           <p:nvPr>
             <p:ph type="sldImg"/>
@@ -3120,7 +3120,7 @@
         <p:nvSpPr>
           <p:cNvPr id="16387" name="Rectangle 3"/>
           <p:cNvSpPr>
-            <a:spLocks noChangeArrowheads="1"/>
+            <a:spLocks noGrp="1" noChangeArrowheads="1"/>
           </p:cNvSpPr>
           <p:nvPr>
             <p:ph type="body" idx="1"/>
@@ -3221,7 +3221,7 @@
         <p:nvSpPr>
           <p:cNvPr id="18434" name="Rectangle 2"/>
           <p:cNvSpPr>
-            <a:spLocks noChangeAspect="1" noChangeArrowheads="1" noTextEdit="1"/>
+            <a:spLocks noGrp="1" noRot="1" noChangeAspect="1" noChangeArrowheads="1" noTextEdit="1"/>
           </p:cNvSpPr>
           <p:nvPr>
             <p:ph type="sldImg"/>
@@ -3240,7 +3240,7 @@
         <p:nvSpPr>
           <p:cNvPr id="18435" name="Rectangle 3"/>
           <p:cNvSpPr>
-            <a:spLocks noChangeArrowheads="1"/>
+            <a:spLocks noGrp="1" noChangeArrowheads="1"/>
           </p:cNvSpPr>
           <p:nvPr>
             <p:ph type="body" idx="1"/>
@@ -3341,7 +3341,7 @@
         <p:nvSpPr>
           <p:cNvPr id="21506" name="Rectangle 2"/>
           <p:cNvSpPr>
-            <a:spLocks noChangeArrowheads="1" noTextEdit="1"/>
+            <a:spLocks noGrp="1" noRot="1" noChangeAspect="1" noChangeArrowheads="1" noTextEdit="1"/>
           </p:cNvSpPr>
           <p:nvPr>
             <p:ph type="sldImg"/>
@@ -3362,7 +3362,7 @@
         <p:nvSpPr>
           <p:cNvPr id="21507" name="Rectangle 3"/>
           <p:cNvSpPr>
-            <a:spLocks noChangeArrowheads="1"/>
+            <a:spLocks noGrp="1" noChangeArrowheads="1"/>
           </p:cNvSpPr>
           <p:nvPr>
             <p:ph type="body" idx="1"/>
@@ -6463,7 +6463,7 @@
       </p:sp>
       <p:pic>
         <p:nvPicPr>
-          <p:cNvPr id="4099" name="Picture 5" descr="Logo"/>
+          <p:cNvPr id="4" name="Picture 4" descr="Insights from Stackoverflow: Most voted for Spring 4 questions."/>
           <p:cNvPicPr>
             <a:picLocks noChangeAspect="1" noChangeArrowheads="1"/>
           </p:cNvPicPr>
@@ -6484,16 +6484,13 @@
         </p:blipFill>
         <p:spPr bwMode="auto">
           <a:xfrm>
-            <a:off x="3203575" y="1770063"/>
-            <a:ext cx="2559050" cy="720725"/>
+            <a:off x="1691680" y="1371600"/>
+            <a:ext cx="5905500" cy="2514600"/>
           </a:xfrm>
           <a:prstGeom prst="rect">
             <a:avLst/>
           </a:prstGeom>
           <a:noFill/>
-          <a:ln>
-            <a:noFill/>
-          </a:ln>
           <a:extLst>
             <a:ext uri="{909E8E84-426E-40DD-AFC4-6F175D3DCCD1}">
               <a14:hiddenFill xmlns:a14="http://schemas.microsoft.com/office/drawing/2010/main">
@@ -6501,16 +6498,6 @@
                   <a:srgbClr val="FFFFFF"/>
                 </a:solidFill>
               </a14:hiddenFill>
-            </a:ext>
-            <a:ext uri="{91240B29-F687-4F45-9708-019B960494DF}">
-              <a14:hiddenLine xmlns:a14="http://schemas.microsoft.com/office/drawing/2010/main" w="9525">
-                <a:solidFill>
-                  <a:srgbClr val="000000"/>
-                </a:solidFill>
-                <a:miter lim="800000"/>
-                <a:headEnd/>
-                <a:tailEnd/>
-              </a14:hiddenLine>
             </a:ext>
           </a:extLst>
         </p:spPr>
